--- a/파이썬 4.pptx
+++ b/파이썬 4.pptx
@@ -250,7 +250,7 @@
           <a:p>
             <a:fld id="{26E2ECC0-5849-4A59-942D-C761FDE0359C}" type="datetimeFigureOut">
               <a:rPr lang="ko-KR" altLang="en-US" smtClean="0"/>
-              <a:t>2023-06-05</a:t>
+              <a:t>2023-06-08</a:t>
             </a:fld>
             <a:endParaRPr lang="ko-KR" altLang="en-US"/>
           </a:p>
@@ -696,7 +696,7 @@
           <a:p>
             <a:fld id="{4C5E94B8-1199-48B0-8149-7F350A6B999E}" type="datetimeFigureOut">
               <a:rPr lang="ko-KR" altLang="en-US" smtClean="0"/>
-              <a:t>2023-06-05</a:t>
+              <a:t>2023-06-08</a:t>
             </a:fld>
             <a:endParaRPr lang="ko-KR" altLang="en-US"/>
           </a:p>
@@ -864,7 +864,7 @@
           <a:p>
             <a:fld id="{4C5E94B8-1199-48B0-8149-7F350A6B999E}" type="datetimeFigureOut">
               <a:rPr lang="ko-KR" altLang="en-US" smtClean="0"/>
-              <a:t>2023-06-05</a:t>
+              <a:t>2023-06-08</a:t>
             </a:fld>
             <a:endParaRPr lang="ko-KR" altLang="en-US"/>
           </a:p>
@@ -1042,7 +1042,7 @@
           <a:p>
             <a:fld id="{4C5E94B8-1199-48B0-8149-7F350A6B999E}" type="datetimeFigureOut">
               <a:rPr lang="ko-KR" altLang="en-US" smtClean="0"/>
-              <a:t>2023-06-05</a:t>
+              <a:t>2023-06-08</a:t>
             </a:fld>
             <a:endParaRPr lang="ko-KR" altLang="en-US"/>
           </a:p>
@@ -1253,7 +1253,7 @@
           <a:p>
             <a:fld id="{4C5E94B8-1199-48B0-8149-7F350A6B999E}" type="datetimeFigureOut">
               <a:rPr lang="ko-KR" altLang="en-US" smtClean="0"/>
-              <a:t>2023-06-05</a:t>
+              <a:t>2023-06-08</a:t>
             </a:fld>
             <a:endParaRPr lang="ko-KR" altLang="en-US"/>
           </a:p>
@@ -1498,7 +1498,7 @@
           <a:p>
             <a:fld id="{4C5E94B8-1199-48B0-8149-7F350A6B999E}" type="datetimeFigureOut">
               <a:rPr lang="ko-KR" altLang="en-US" smtClean="0"/>
-              <a:t>2023-06-05</a:t>
+              <a:t>2023-06-08</a:t>
             </a:fld>
             <a:endParaRPr lang="ko-KR" altLang="en-US"/>
           </a:p>
@@ -1783,7 +1783,7 @@
           <a:p>
             <a:fld id="{4C5E94B8-1199-48B0-8149-7F350A6B999E}" type="datetimeFigureOut">
               <a:rPr lang="ko-KR" altLang="en-US" smtClean="0"/>
-              <a:t>2023-06-05</a:t>
+              <a:t>2023-06-08</a:t>
             </a:fld>
             <a:endParaRPr lang="ko-KR" altLang="en-US"/>
           </a:p>
@@ -2202,7 +2202,7 @@
           <a:p>
             <a:fld id="{4C5E94B8-1199-48B0-8149-7F350A6B999E}" type="datetimeFigureOut">
               <a:rPr lang="ko-KR" altLang="en-US" smtClean="0"/>
-              <a:t>2023-06-05</a:t>
+              <a:t>2023-06-08</a:t>
             </a:fld>
             <a:endParaRPr lang="ko-KR" altLang="en-US"/>
           </a:p>
@@ -2319,7 +2319,7 @@
           <a:p>
             <a:fld id="{4C5E94B8-1199-48B0-8149-7F350A6B999E}" type="datetimeFigureOut">
               <a:rPr lang="ko-KR" altLang="en-US" smtClean="0"/>
-              <a:t>2023-06-05</a:t>
+              <a:t>2023-06-08</a:t>
             </a:fld>
             <a:endParaRPr lang="ko-KR" altLang="en-US"/>
           </a:p>
@@ -2414,7 +2414,7 @@
           <a:p>
             <a:fld id="{4C5E94B8-1199-48B0-8149-7F350A6B999E}" type="datetimeFigureOut">
               <a:rPr lang="ko-KR" altLang="en-US" smtClean="0"/>
-              <a:t>2023-06-05</a:t>
+              <a:t>2023-06-08</a:t>
             </a:fld>
             <a:endParaRPr lang="ko-KR" altLang="en-US"/>
           </a:p>
@@ -2689,7 +2689,7 @@
           <a:p>
             <a:fld id="{4C5E94B8-1199-48B0-8149-7F350A6B999E}" type="datetimeFigureOut">
               <a:rPr lang="ko-KR" altLang="en-US" smtClean="0"/>
-              <a:t>2023-06-05</a:t>
+              <a:t>2023-06-08</a:t>
             </a:fld>
             <a:endParaRPr lang="ko-KR" altLang="en-US"/>
           </a:p>
@@ -2941,7 +2941,7 @@
           <a:p>
             <a:fld id="{4C5E94B8-1199-48B0-8149-7F350A6B999E}" type="datetimeFigureOut">
               <a:rPr lang="ko-KR" altLang="en-US" smtClean="0"/>
-              <a:t>2023-06-05</a:t>
+              <a:t>2023-06-08</a:t>
             </a:fld>
             <a:endParaRPr lang="ko-KR" altLang="en-US"/>
           </a:p>
@@ -3152,7 +3152,7 @@
           <a:p>
             <a:fld id="{4C5E94B8-1199-48B0-8149-7F350A6B999E}" type="datetimeFigureOut">
               <a:rPr lang="ko-KR" altLang="en-US" smtClean="0"/>
-              <a:t>2023-06-05</a:t>
+              <a:t>2023-06-08</a:t>
             </a:fld>
             <a:endParaRPr lang="ko-KR" altLang="en-US"/>
           </a:p>
@@ -11002,8 +11002,17 @@
             </a:r>
             <a:r>
               <a:rPr lang="en-US" altLang="ko-KR" dirty="0"/>
-              <a:t>: [2, 4, 6, 8, 10]</a:t>
-            </a:r>
+              <a:t>: [2, 4, 6, 8, 10] </a:t>
+            </a:r>
+            <a:r>
+              <a:rPr lang="ko-KR" altLang="en-US" dirty="0"/>
+              <a:t>요소를 </a:t>
+            </a:r>
+            <a:r>
+              <a:rPr lang="ko-KR" altLang="en-US" dirty="0" err="1"/>
+              <a:t>모은것</a:t>
+            </a:r>
+            <a:endParaRPr lang="en-US" altLang="ko-KR" dirty="0"/>
           </a:p>
         </p:txBody>
       </p:sp>
@@ -11119,6 +11128,18 @@
             <a:r>
               <a:rPr lang="ko-KR" altLang="en-US" dirty="0"/>
               <a:t>새로운 리스트를 반환</a:t>
+            </a:r>
+            <a:r>
+              <a:rPr lang="en-US" altLang="ko-KR" dirty="0"/>
+              <a:t>. </a:t>
+            </a:r>
+            <a:r>
+              <a:rPr lang="ko-KR" altLang="en-US" dirty="0"/>
+              <a:t>적용한 결과값을 </a:t>
+            </a:r>
+            <a:r>
+              <a:rPr lang="ko-KR" altLang="en-US" dirty="0" err="1"/>
+              <a:t>모은것</a:t>
             </a:r>
             <a:endParaRPr lang="en-US" altLang="ko-KR" dirty="0"/>
           </a:p>
